--- a/EDA_presentation.pptx
+++ b/EDA_presentation.pptx
@@ -3752,8 +3752,8 @@
       </p:par>
     </p:tnLst>
     <p:bldLst>
+      <p:bldP build="p" bldLvl="5" animBg="1" rev="0" advAuto="0" spid="149" grpId="2"/>
       <p:bldP build="whole" bldLvl="1" animBg="1" rev="0" advAuto="0" spid="148" grpId="1"/>
-      <p:bldP build="p" bldLvl="5" animBg="1" rev="0" advAuto="0" spid="149" grpId="2"/>
     </p:bldLst>
   </p:timing>
 </p:sld>
@@ -4340,8 +4340,8 @@
       </p:par>
     </p:tnLst>
     <p:bldLst>
+      <p:bldP build="whole" bldLvl="1" animBg="1" rev="0" advAuto="0" spid="154" grpId="1"/>
       <p:bldP build="p" bldLvl="5" animBg="1" rev="0" advAuto="0" spid="155" grpId="2"/>
-      <p:bldP build="whole" bldLvl="1" animBg="1" rev="0" advAuto="0" spid="154" grpId="1"/>
     </p:bldLst>
   </p:timing>
 </p:sld>
@@ -5091,10 +5091,10 @@
     </p:tnLst>
     <p:bldLst>
       <p:bldP build="whole" bldLvl="1" animBg="1" rev="0" advAuto="0" spid="162" grpId="3"/>
-      <p:bldP build="whole" bldLvl="1" animBg="1" rev="0" advAuto="0" spid="160" grpId="1"/>
-      <p:bldP build="whole" bldLvl="1" animBg="1" rev="0" advAuto="0" spid="161" grpId="2"/>
       <p:bldP build="whole" bldLvl="1" animBg="1" rev="0" advAuto="0" spid="163" grpId="4"/>
       <p:bldP build="p" bldLvl="5" animBg="1" rev="0" advAuto="0" spid="164" grpId="5"/>
+      <p:bldP build="whole" bldLvl="1" animBg="1" rev="0" advAuto="0" spid="161" grpId="2"/>
+      <p:bldP build="whole" bldLvl="1" animBg="1" rev="0" advAuto="0" spid="160" grpId="1"/>
     </p:bldLst>
   </p:timing>
 </p:sld>
@@ -6287,8 +6287,8 @@
       </p:par>
     </p:tnLst>
     <p:bldLst>
+      <p:bldP build="whole" bldLvl="1" animBg="1" rev="0" advAuto="0" spid="176" grpId="1"/>
       <p:bldP build="p" bldLvl="5" animBg="1" rev="0" advAuto="0" spid="175" grpId="2"/>
-      <p:bldP build="whole" bldLvl="1" animBg="1" rev="0" advAuto="0" spid="176" grpId="1"/>
     </p:bldLst>
   </p:timing>
 </p:sld>
@@ -6953,9 +6953,9 @@
       </p:par>
     </p:tnLst>
     <p:bldLst>
-      <p:bldP build="whole" bldLvl="1" animBg="1" rev="0" advAuto="0" spid="181" grpId="1"/>
       <p:bldP build="p" bldLvl="5" animBg="1" rev="0" advAuto="0" spid="182" grpId="2"/>
       <p:bldP build="whole" bldLvl="1" animBg="1" rev="0" advAuto="0" spid="183" grpId="3"/>
+      <p:bldP build="whole" bldLvl="1" animBg="1" rev="0" advAuto="0" spid="181" grpId="1"/>
     </p:bldLst>
   </p:timing>
 </p:sld>
@@ -7851,9 +7851,9 @@
       </p:par>
     </p:tnLst>
     <p:bldLst>
-      <p:bldP build="whole" bldLvl="1" animBg="1" rev="0" advAuto="0" spid="190" grpId="3"/>
       <p:bldP build="whole" bldLvl="1" animBg="1" rev="0" advAuto="0" spid="188" grpId="1"/>
       <p:bldP build="p" bldLvl="5" animBg="1" rev="0" advAuto="0" spid="189" grpId="2"/>
+      <p:bldP build="whole" bldLvl="1" animBg="1" rev="0" advAuto="0" spid="190" grpId="3"/>
     </p:bldLst>
   </p:timing>
 </p:sld>
@@ -8644,8 +8644,8 @@
     </p:tnLst>
     <p:bldLst>
       <p:bldP build="whole" bldLvl="1" animBg="1" rev="0" advAuto="0" spid="197" grpId="3"/>
+      <p:bldP build="whole" bldLvl="1" animBg="1" rev="0" advAuto="0" spid="195" grpId="1"/>
       <p:bldP build="p" bldLvl="5" animBg="1" rev="0" advAuto="0" spid="196" grpId="2"/>
-      <p:bldP build="whole" bldLvl="1" animBg="1" rev="0" advAuto="0" spid="195" grpId="1"/>
     </p:bldLst>
   </p:timing>
 </p:sld>
@@ -9400,7 +9400,7 @@
         <p:spPr>
           <a:xfrm>
             <a:off x="150582" y="5169870"/>
-            <a:ext cx="11890835" cy="1567617"/>
+            <a:ext cx="11890835" cy="1466017"/>
           </a:xfrm>
           <a:prstGeom prst="rect">
             <a:avLst/>
@@ -9418,9 +9418,8 @@
           <a:bodyPr lIns="45719" rIns="45719">
             <a:spAutoFit/>
           </a:bodyPr>
-          <a:lstStyle/>
-          <a:p>
-            <a:pPr>
+          <a:lstStyle>
+            <a:lvl1pPr>
               <a:lnSpc>
                 <a:spcPct val="90000"/>
               </a:lnSpc>
@@ -9428,23 +9427,12 @@
                 <a:spcPts val="800"/>
               </a:spcBef>
               <a:defRPr sz="1600"/>
-            </a:pPr>
-            <a:r>
-              <a:t>It is recommended to train and compare all models for best outcome. However, from past experience, Decision Tree models have proven to be highly accurate and cost effective. They are quick to train, compared to Non-Linear SVM’s, Neural Networks, KNN and Ensemble methods. In terms of accuracy they beat the Linear Models and most others. Another promising approach is the Naive Bayes Classifier. This method comes in is also cost effective and highly accurate. AdaBoost is another method that has shown great promise in classification problems such as this. </a:t>
-            </a:r>
-          </a:p>
+            </a:lvl1pPr>
+          </a:lstStyle>
           <a:p>
-            <a:pPr>
-              <a:lnSpc>
-                <a:spcPct val="90000"/>
-              </a:lnSpc>
-              <a:spcBef>
-                <a:spcPts val="800"/>
-              </a:spcBef>
-              <a:defRPr sz="1600"/>
-            </a:pPr>
-            <a:r>
-              <a:t>Lastly, it is important to remember that the data is heavily imbalanced, (88.7% no), so we might need to employ resampling techniques such as SMOTE so ensure that the model is able to learn well and generalise. </a:t>
+            <a:pPr/>
+            <a:r>
+              <a:t>It is recommended to train and compare all models for best outcome. However, from past experience, Decision Tree models have proven to be highly accurate and cost effective. They are quick to train, compared to Non-Linear SVM’s, Neural Networks, KNN and Ensemble methods. In terms of accuracy they beat the Linear Models and most others. Another promising approach is the Naive Bayes Classifier. Although it is incredibly quick to train it is not very accurate. AdaBoost is another method that has shown great promise in classification problems such as this. Lastly, it is important to remember that the data is heavily imbalanced, (88.7% no), so we might need to employ resampling techniques such as SMOTE so ensure that the model is able to learn well and generalise. </a:t>
             </a:r>
           </a:p>
         </p:txBody>
@@ -14432,100 +14420,6 @@
                       </p:childTnLst>
                     </p:cTn>
                   </p:par>
-                  <p:par>
-                    <p:cTn id="43" fill="hold">
-                      <p:stCondLst>
-                        <p:cond delay="indefinite"/>
-                      </p:stCondLst>
-                      <p:childTnLst>
-                        <p:par>
-                          <p:cTn id="44" fill="hold">
-                            <p:stCondLst>
-                              <p:cond delay="0"/>
-                            </p:stCondLst>
-                            <p:childTnLst>
-                              <p:par>
-                                <p:cTn id="45" presetClass="exit" nodeType="clickEffect" presetSubtype="32" presetID="23" grpId="3" fill="hold">
-                                  <p:stCondLst>
-                                    <p:cond delay="0"/>
-                                  </p:stCondLst>
-                                  <p:iterate type="el" backwards="0">
-                                    <p:tmAbs val="0"/>
-                                  </p:iterate>
-                                  <p:childTnLst>
-                                    <p:anim calcmode="lin" valueType="num">
-                                      <p:cBhvr>
-                                        <p:cTn id="46" dur="2500" fill="hold"/>
-                                        <p:tgtEl>
-                                          <p:spTgt spid="108"/>
-                                        </p:tgtEl>
-                                        <p:attrNameLst>
-                                          <p:attrName>ppt_w</p:attrName>
-                                        </p:attrNameLst>
-                                      </p:cBhvr>
-                                      <p:tavLst>
-                                        <p:tav tm="0">
-                                          <p:val>
-                                            <p:strVal val="ppt_w"/>
-                                          </p:val>
-                                        </p:tav>
-                                        <p:tav tm="100000">
-                                          <p:val>
-                                            <p:fltVal val="0"/>
-                                          </p:val>
-                                        </p:tav>
-                                      </p:tavLst>
-                                    </p:anim>
-                                    <p:anim calcmode="lin" valueType="num">
-                                      <p:cBhvr>
-                                        <p:cTn id="47" dur="2500" fill="hold"/>
-                                        <p:tgtEl>
-                                          <p:spTgt spid="108"/>
-                                        </p:tgtEl>
-                                        <p:attrNameLst>
-                                          <p:attrName>ppt_h</p:attrName>
-                                        </p:attrNameLst>
-                                      </p:cBhvr>
-                                      <p:tavLst>
-                                        <p:tav tm="0">
-                                          <p:val>
-                                            <p:strVal val="ppt_h"/>
-                                          </p:val>
-                                        </p:tav>
-                                        <p:tav tm="100000">
-                                          <p:val>
-                                            <p:fltVal val="0"/>
-                                          </p:val>
-                                        </p:tav>
-                                      </p:tavLst>
-                                    </p:anim>
-                                    <p:set>
-                                      <p:cBhvr>
-                                        <p:cTn id="48" fill="hold">
-                                          <p:stCondLst>
-                                            <p:cond delay="2499"/>
-                                          </p:stCondLst>
-                                        </p:cTn>
-                                        <p:tgtEl>
-                                          <p:spTgt spid="108"/>
-                                        </p:tgtEl>
-                                        <p:attrNameLst>
-                                          <p:attrName>style.visibility</p:attrName>
-                                        </p:attrNameLst>
-                                      </p:cBhvr>
-                                      <p:to>
-                                        <p:strVal val="hidden"/>
-                                      </p:to>
-                                    </p:set>
-                                  </p:childTnLst>
-                                </p:cTn>
-                              </p:par>
-                            </p:childTnLst>
-                          </p:cTn>
-                        </p:par>
-                      </p:childTnLst>
-                    </p:cTn>
-                  </p:par>
                 </p:childTnLst>
               </p:cTn>
               <p:prevCondLst>
@@ -14548,9 +14442,8 @@
       </p:par>
     </p:tnLst>
     <p:bldLst>
+      <p:bldP build="whole" bldLvl="1" animBg="1" rev="0" advAuto="0" spid="108" grpId="2"/>
       <p:bldP build="p" bldLvl="5" animBg="1" rev="0" advAuto="0" spid="105" grpId="1"/>
-      <p:bldP build="whole" bldLvl="1" animBg="1" rev="0" advAuto="0" spid="108" grpId="2"/>
-      <p:bldP build="whole" bldLvl="1" animBg="1" rev="0" advAuto="0" spid="108" grpId="3"/>
     </p:bldLst>
   </p:timing>
 </p:sld>
@@ -15286,8 +15179,8 @@
       </p:par>
     </p:tnLst>
     <p:bldLst>
+      <p:bldP build="whole" bldLvl="1" animBg="1" rev="0" advAuto="0" spid="113" grpId="1"/>
       <p:bldP build="p" bldLvl="5" animBg="1" rev="0" advAuto="0" spid="114" grpId="2"/>
-      <p:bldP build="whole" bldLvl="1" animBg="1" rev="0" advAuto="0" spid="113" grpId="1"/>
       <p:bldP build="whole" bldLvl="1" animBg="1" rev="0" advAuto="0" spid="115" grpId="3"/>
     </p:bldLst>
   </p:timing>
@@ -15915,8 +15808,8 @@
       </p:par>
     </p:tnLst>
     <p:bldLst>
+      <p:bldP build="whole" bldLvl="1" animBg="1" rev="0" advAuto="0" spid="121" grpId="1"/>
       <p:bldP build="whole" bldLvl="1" animBg="1" rev="0" advAuto="0" spid="120" grpId="2"/>
-      <p:bldP build="whole" bldLvl="1" animBg="1" rev="0" advAuto="0" spid="121" grpId="1"/>
       <p:bldP build="p" bldLvl="5" animBg="1" rev="0" advAuto="0" spid="122" grpId="3"/>
     </p:bldLst>
   </p:timing>
@@ -16565,8 +16458,8 @@
     </p:tnLst>
     <p:bldLst>
       <p:bldP build="whole" bldLvl="1" animBg="1" rev="0" advAuto="0" spid="127" grpId="2"/>
+      <p:bldP build="whole" bldLvl="1" animBg="1" rev="0" advAuto="0" spid="128" grpId="1"/>
       <p:bldP build="p" bldLvl="5" animBg="1" rev="0" advAuto="0" spid="129" grpId="3"/>
-      <p:bldP build="whole" bldLvl="1" animBg="1" rev="0" advAuto="0" spid="128" grpId="1"/>
     </p:bldLst>
   </p:timing>
 </p:sld>
@@ -17108,9 +17001,9 @@
       </p:par>
     </p:tnLst>
     <p:bldLst>
-      <p:bldP build="whole" bldLvl="1" animBg="1" rev="0" advAuto="0" spid="134" grpId="1"/>
       <p:bldP build="whole" bldLvl="1" animBg="1" rev="0" advAuto="0" spid="135" grpId="2"/>
       <p:bldP build="p" bldLvl="5" animBg="1" rev="0" advAuto="0" spid="136" grpId="3"/>
+      <p:bldP build="whole" bldLvl="1" animBg="1" rev="0" advAuto="0" spid="134" grpId="1"/>
     </p:bldLst>
   </p:timing>
 </p:sld>
@@ -17644,8 +17537,8 @@
     </p:tnLst>
     <p:bldLst>
       <p:bldP build="whole" bldLvl="1" animBg="1" rev="0" advAuto="0" spid="141" grpId="1"/>
+      <p:bldP build="p" bldLvl="5" animBg="1" rev="0" advAuto="0" spid="142" grpId="3"/>
       <p:bldP build="whole" bldLvl="1" animBg="1" rev="0" advAuto="0" spid="143" grpId="2"/>
-      <p:bldP build="p" bldLvl="5" animBg="1" rev="0" advAuto="0" spid="142" grpId="3"/>
     </p:bldLst>
   </p:timing>
 </p:sld>

--- a/EDA_presentation.pptx
+++ b/EDA_presentation.pptx
@@ -3752,8 +3752,8 @@
       </p:par>
     </p:tnLst>
     <p:bldLst>
+      <p:bldP build="whole" bldLvl="1" animBg="1" rev="0" advAuto="0" spid="148" grpId="1"/>
       <p:bldP build="p" bldLvl="5" animBg="1" rev="0" advAuto="0" spid="149" grpId="2"/>
-      <p:bldP build="whole" bldLvl="1" animBg="1" rev="0" advAuto="0" spid="148" grpId="1"/>
     </p:bldLst>
   </p:timing>
 </p:sld>
@@ -4340,8 +4340,8 @@
       </p:par>
     </p:tnLst>
     <p:bldLst>
+      <p:bldP build="p" bldLvl="5" animBg="1" rev="0" advAuto="0" spid="155" grpId="2"/>
       <p:bldP build="whole" bldLvl="1" animBg="1" rev="0" advAuto="0" spid="154" grpId="1"/>
-      <p:bldP build="p" bldLvl="5" animBg="1" rev="0" advAuto="0" spid="155" grpId="2"/>
     </p:bldLst>
   </p:timing>
 </p:sld>
@@ -5091,8 +5091,8 @@
     </p:tnLst>
     <p:bldLst>
       <p:bldP build="whole" bldLvl="1" animBg="1" rev="0" advAuto="0" spid="162" grpId="3"/>
+      <p:bldP build="p" bldLvl="5" animBg="1" rev="0" advAuto="0" spid="164" grpId="5"/>
       <p:bldP build="whole" bldLvl="1" animBg="1" rev="0" advAuto="0" spid="163" grpId="4"/>
-      <p:bldP build="p" bldLvl="5" animBg="1" rev="0" advAuto="0" spid="164" grpId="5"/>
       <p:bldP build="whole" bldLvl="1" animBg="1" rev="0" advAuto="0" spid="161" grpId="2"/>
       <p:bldP build="whole" bldLvl="1" animBg="1" rev="0" advAuto="0" spid="160" grpId="1"/>
     </p:bldLst>
@@ -5712,8 +5712,8 @@
       </p:par>
     </p:tnLst>
     <p:bldLst>
+      <p:bldP build="p" bldLvl="5" animBg="1" rev="0" advAuto="0" spid="170" grpId="2"/>
       <p:bldP build="whole" bldLvl="1" animBg="1" rev="0" advAuto="0" spid="169" grpId="1"/>
-      <p:bldP build="p" bldLvl="5" animBg="1" rev="0" advAuto="0" spid="170" grpId="2"/>
     </p:bldLst>
   </p:timing>
 </p:sld>
@@ -6953,9 +6953,9 @@
       </p:par>
     </p:tnLst>
     <p:bldLst>
+      <p:bldP build="whole" bldLvl="1" animBg="1" rev="0" advAuto="0" spid="181" grpId="1"/>
+      <p:bldP build="whole" bldLvl="1" animBg="1" rev="0" advAuto="0" spid="183" grpId="3"/>
       <p:bldP build="p" bldLvl="5" animBg="1" rev="0" advAuto="0" spid="182" grpId="2"/>
-      <p:bldP build="whole" bldLvl="1" animBg="1" rev="0" advAuto="0" spid="183" grpId="3"/>
-      <p:bldP build="whole" bldLvl="1" animBg="1" rev="0" advAuto="0" spid="181" grpId="1"/>
     </p:bldLst>
   </p:timing>
 </p:sld>
@@ -7851,8 +7851,8 @@
       </p:par>
     </p:tnLst>
     <p:bldLst>
+      <p:bldP build="p" bldLvl="5" animBg="1" rev="0" advAuto="0" spid="189" grpId="2"/>
       <p:bldP build="whole" bldLvl="1" animBg="1" rev="0" advAuto="0" spid="188" grpId="1"/>
-      <p:bldP build="p" bldLvl="5" animBg="1" rev="0" advAuto="0" spid="189" grpId="2"/>
       <p:bldP build="whole" bldLvl="1" animBg="1" rev="0" advAuto="0" spid="190" grpId="3"/>
     </p:bldLst>
   </p:timing>
@@ -9999,9 +9999,9 @@
       </p:par>
     </p:tnLst>
     <p:bldLst>
+      <p:bldP build="whole" bldLvl="1" animBg="1" rev="0" advAuto="0" spid="210" grpId="3"/>
+      <p:bldP build="whole" bldLvl="1" animBg="1" rev="0" advAuto="0" spid="208" grpId="2"/>
       <p:bldP build="p" bldLvl="5" animBg="1" rev="0" advAuto="0" spid="207" grpId="1"/>
-      <p:bldP build="whole" bldLvl="1" animBg="1" rev="0" advAuto="0" spid="208" grpId="2"/>
-      <p:bldP build="whole" bldLvl="1" animBg="1" rev="0" advAuto="0" spid="210" grpId="3"/>
     </p:bldLst>
   </p:timing>
 </p:sld>
@@ -14442,8 +14442,8 @@
       </p:par>
     </p:tnLst>
     <p:bldLst>
+      <p:bldP build="p" bldLvl="5" animBg="1" rev="0" advAuto="0" spid="105" grpId="1"/>
       <p:bldP build="whole" bldLvl="1" animBg="1" rev="0" advAuto="0" spid="108" grpId="2"/>
-      <p:bldP build="p" bldLvl="5" animBg="1" rev="0" advAuto="0" spid="105" grpId="1"/>
     </p:bldLst>
   </p:timing>
 </p:sld>
@@ -15179,8 +15179,8 @@
       </p:par>
     </p:tnLst>
     <p:bldLst>
+      <p:bldP build="p" bldLvl="5" animBg="1" rev="0" advAuto="0" spid="114" grpId="2"/>
       <p:bldP build="whole" bldLvl="1" animBg="1" rev="0" advAuto="0" spid="113" grpId="1"/>
-      <p:bldP build="p" bldLvl="5" animBg="1" rev="0" advAuto="0" spid="114" grpId="2"/>
       <p:bldP build="whole" bldLvl="1" animBg="1" rev="0" advAuto="0" spid="115" grpId="3"/>
     </p:bldLst>
   </p:timing>
@@ -15808,9 +15808,9 @@
       </p:par>
     </p:tnLst>
     <p:bldLst>
-      <p:bldP build="whole" bldLvl="1" animBg="1" rev="0" advAuto="0" spid="121" grpId="1"/>
       <p:bldP build="whole" bldLvl="1" animBg="1" rev="0" advAuto="0" spid="120" grpId="2"/>
       <p:bldP build="p" bldLvl="5" animBg="1" rev="0" advAuto="0" spid="122" grpId="3"/>
+      <p:bldP build="whole" bldLvl="1" animBg="1" rev="0" advAuto="0" spid="121" grpId="1"/>
     </p:bldLst>
   </p:timing>
 </p:sld>
@@ -16457,8 +16457,8 @@
       </p:par>
     </p:tnLst>
     <p:bldLst>
+      <p:bldP build="whole" bldLvl="1" animBg="1" rev="0" advAuto="0" spid="128" grpId="1"/>
       <p:bldP build="whole" bldLvl="1" animBg="1" rev="0" advAuto="0" spid="127" grpId="2"/>
-      <p:bldP build="whole" bldLvl="1" animBg="1" rev="0" advAuto="0" spid="128" grpId="1"/>
       <p:bldP build="p" bldLvl="5" animBg="1" rev="0" advAuto="0" spid="129" grpId="3"/>
     </p:bldLst>
   </p:timing>
@@ -17002,8 +17002,8 @@
     </p:tnLst>
     <p:bldLst>
       <p:bldP build="whole" bldLvl="1" animBg="1" rev="0" advAuto="0" spid="135" grpId="2"/>
+      <p:bldP build="whole" bldLvl="1" animBg="1" rev="0" advAuto="0" spid="134" grpId="1"/>
       <p:bldP build="p" bldLvl="5" animBg="1" rev="0" advAuto="0" spid="136" grpId="3"/>
-      <p:bldP build="whole" bldLvl="1" animBg="1" rev="0" advAuto="0" spid="134" grpId="1"/>
     </p:bldLst>
   </p:timing>
 </p:sld>
@@ -17536,9 +17536,9 @@
       </p:par>
     </p:tnLst>
     <p:bldLst>
-      <p:bldP build="whole" bldLvl="1" animBg="1" rev="0" advAuto="0" spid="141" grpId="1"/>
       <p:bldP build="p" bldLvl="5" animBg="1" rev="0" advAuto="0" spid="142" grpId="3"/>
       <p:bldP build="whole" bldLvl="1" animBg="1" rev="0" advAuto="0" spid="143" grpId="2"/>
+      <p:bldP build="whole" bldLvl="1" animBg="1" rev="0" advAuto="0" spid="141" grpId="1"/>
     </p:bldLst>
   </p:timing>
 </p:sld>
